--- a/ngrx-presentation-FR.pptx
+++ b/ngrx-presentation-FR.pptx
@@ -3566,6 +3566,90 @@
           <a:p>
             <a:fld id="{60A0302D-C63E-4C22-97DC-35D5C9EA647A}" type="slidenum">
               <a:rPr lang="fr-FR" smtClean="0"/>
+              <a:t>5</a:t>
+            </a:fld>
+            <a:endParaRPr lang="fr-FR"/>
+          </a:p>
+        </p:txBody>
+      </p:sp>
+    </p:spTree>
+    <p:extLst>
+      <p:ext uri="{BB962C8B-B14F-4D97-AF65-F5344CB8AC3E}">
+        <p14:creationId xmlns:p14="http://schemas.microsoft.com/office/powerpoint/2010/main" val="4167058348"/>
+      </p:ext>
+    </p:extLst>
+  </p:cSld>
+  <p:clrMapOvr>
+    <a:masterClrMapping/>
+  </p:clrMapOvr>
+</p:notes>
+</file>
+
+<file path=ppt/notesSlides/notesSlide5.xml><?xml version="1.0" encoding="utf-8"?>
+<p:notes xmlns:a="http://schemas.openxmlformats.org/drawingml/2006/main" xmlns:r="http://schemas.openxmlformats.org/officeDocument/2006/relationships" xmlns:p="http://schemas.openxmlformats.org/presentationml/2006/main">
+  <p:cSld>
+    <p:spTree>
+      <p:nvGrpSpPr>
+        <p:cNvPr id="1" name=""/>
+        <p:cNvGrpSpPr/>
+        <p:nvPr/>
+      </p:nvGrpSpPr>
+      <p:grpSpPr>
+        <a:xfrm>
+          <a:off x="0" y="0"/>
+          <a:ext cx="0" cy="0"/>
+          <a:chOff x="0" y="0"/>
+          <a:chExt cx="0" cy="0"/>
+        </a:xfrm>
+      </p:grpSpPr>
+      <p:sp>
+        <p:nvSpPr>
+          <p:cNvPr id="2" name="Espace réservé de l'image des diapositives 1"/>
+          <p:cNvSpPr>
+            <a:spLocks noGrp="1" noRot="1" noChangeAspect="1"/>
+          </p:cNvSpPr>
+          <p:nvPr>
+            <p:ph type="sldImg"/>
+          </p:nvPr>
+        </p:nvSpPr>
+        <p:spPr/>
+      </p:sp>
+      <p:sp>
+        <p:nvSpPr>
+          <p:cNvPr id="3" name="Espace réservé des notes 2"/>
+          <p:cNvSpPr>
+            <a:spLocks noGrp="1"/>
+          </p:cNvSpPr>
+          <p:nvPr>
+            <p:ph type="body" idx="1"/>
+          </p:nvPr>
+        </p:nvSpPr>
+        <p:spPr/>
+        <p:txBody>
+          <a:bodyPr/>
+          <a:lstStyle/>
+          <a:p>
+            <a:endParaRPr lang="fr-FR" dirty="0"/>
+          </a:p>
+        </p:txBody>
+      </p:sp>
+      <p:sp>
+        <p:nvSpPr>
+          <p:cNvPr id="4" name="Espace réservé du numéro de diapositive 3"/>
+          <p:cNvSpPr>
+            <a:spLocks noGrp="1"/>
+          </p:cNvSpPr>
+          <p:nvPr>
+            <p:ph type="sldNum" sz="quarter" idx="5"/>
+          </p:nvPr>
+        </p:nvSpPr>
+        <p:spPr/>
+        <p:txBody>
+          <a:bodyPr/>
+          <a:lstStyle/>
+          <a:p>
+            <a:fld id="{60A0302D-C63E-4C22-97DC-35D5C9EA647A}" type="slidenum">
+              <a:rPr lang="fr-FR" smtClean="0"/>
               <a:t>6</a:t>
             </a:fld>
             <a:endParaRPr lang="fr-FR"/>
@@ -3585,7 +3669,7 @@
 </p:notes>
 </file>
 
-<file path=ppt/notesSlides/notesSlide5.xml><?xml version="1.0" encoding="utf-8"?>
+<file path=ppt/notesSlides/notesSlide6.xml><?xml version="1.0" encoding="utf-8"?>
 <p:notes xmlns:a="http://schemas.openxmlformats.org/drawingml/2006/main" xmlns:r="http://schemas.openxmlformats.org/officeDocument/2006/relationships" xmlns:p="http://schemas.openxmlformats.org/presentationml/2006/main">
   <p:cSld>
     <p:spTree>
@@ -3945,7 +4029,7 @@
 </p:notes>
 </file>
 
-<file path=ppt/notesSlides/notesSlide6.xml><?xml version="1.0" encoding="utf-8"?>
+<file path=ppt/notesSlides/notesSlide7.xml><?xml version="1.0" encoding="utf-8"?>
 <p:notes xmlns:a="http://schemas.openxmlformats.org/drawingml/2006/main" xmlns:r="http://schemas.openxmlformats.org/officeDocument/2006/relationships" xmlns:p="http://schemas.openxmlformats.org/presentationml/2006/main">
   <p:cSld>
     <p:spTree>
@@ -4029,7 +4113,7 @@
 </p:notes>
 </file>
 
-<file path=ppt/notesSlides/notesSlide7.xml><?xml version="1.0" encoding="utf-8"?>
+<file path=ppt/notesSlides/notesSlide8.xml><?xml version="1.0" encoding="utf-8"?>
 <p:notes xmlns:a="http://schemas.openxmlformats.org/drawingml/2006/main" xmlns:r="http://schemas.openxmlformats.org/officeDocument/2006/relationships" xmlns:p="http://schemas.openxmlformats.org/presentationml/2006/main">
   <p:cSld>
     <p:spTree>
@@ -4113,7 +4197,7 @@
 </p:notes>
 </file>
 
-<file path=ppt/notesSlides/notesSlide8.xml><?xml version="1.0" encoding="utf-8"?>
+<file path=ppt/notesSlides/notesSlide9.xml><?xml version="1.0" encoding="utf-8"?>
 <p:notes xmlns:a="http://schemas.openxmlformats.org/drawingml/2006/main" xmlns:r="http://schemas.openxmlformats.org/officeDocument/2006/relationships" xmlns:p="http://schemas.openxmlformats.org/presentationml/2006/main">
   <p:cSld>
     <p:spTree>
@@ -24912,43 +24996,7 @@
             </a:pPr>
             <a:r>
               <a:rPr lang="fr-FR" dirty="0"/>
-              <a:t> </a:t>
-            </a:r>
-            <a:r>
-              <a:rPr lang="fr-FR" dirty="0" err="1"/>
-              <a:t>ngrx</a:t>
-            </a:r>
-            <a:r>
-              <a:rPr lang="fr-FR" dirty="0"/>
-              <a:t>/router-store</a:t>
-            </a:r>
-          </a:p>
-          <a:p>
-            <a:pPr lvl="1">
-              <a:buFont typeface="Wingdings" panose="05000000000000000000" pitchFamily="2" charset="2"/>
-              <a:buChar char="§"/>
-            </a:pPr>
-            <a:r>
-              <a:rPr lang="fr-FR" dirty="0"/>
-              <a:t> </a:t>
-            </a:r>
-            <a:r>
-              <a:rPr lang="fr-FR" dirty="0" err="1"/>
-              <a:t>ngrx</a:t>
-            </a:r>
-            <a:r>
-              <a:rPr lang="fr-FR" dirty="0"/>
-              <a:t>/data</a:t>
-            </a:r>
-          </a:p>
-          <a:p>
-            <a:pPr lvl="1">
-              <a:buFont typeface="Wingdings" panose="05000000000000000000" pitchFamily="2" charset="2"/>
-              <a:buChar char="§"/>
-            </a:pPr>
-            <a:r>
-              <a:rPr lang="fr-FR" dirty="0"/>
-              <a:t> Etc…</a:t>
+              <a:t>Etc…</a:t>
             </a:r>
           </a:p>
         </p:txBody>
@@ -25667,7 +25715,7 @@
             </a:pPr>
             <a:r>
               <a:rPr lang="fr-FR" dirty="0"/>
-              <a:t> Framework open-source</a:t>
+              <a:t> Design pattern apparu en 2013</a:t>
             </a:r>
           </a:p>
           <a:p>
@@ -26695,7 +26743,7 @@
           </p:nvPr>
         </p:nvPicPr>
         <p:blipFill>
-          <a:blip r:embed="rId2"/>
+          <a:blip r:embed="rId3"/>
           <a:stretch>
             <a:fillRect/>
           </a:stretch>
